--- a/UNI 2025/SEM 1/COMP2400/COMP2400Presentation.pptx
+++ b/UNI 2025/SEM 1/COMP2400/COMP2400Presentation.pptx
@@ -226,7 +226,7 @@
           <a:p>
             <a:fld id="{96C6AA85-543A-49BD-AAEA-D8BCB9E3072D}" type="datetimeFigureOut">
               <a:rPr lang="en-AU" smtClean="0"/>
-              <a:t>23/03/2025</a:t>
+              <a:t>26/03/2025</a:t>
             </a:fld>
             <a:endParaRPr lang="en-AU"/>
           </a:p>
@@ -391,7 +391,7 @@
           <a:p>
             <a:fld id="{AC062A73-2E64-49D6-ABD8-1FCFA8272204}" type="datetimeFigureOut">
               <a:rPr lang="en-AU" smtClean="0"/>
-              <a:t>23/03/2025</a:t>
+              <a:t>26/03/2025</a:t>
             </a:fld>
             <a:endParaRPr lang="en-AU"/>
           </a:p>
@@ -703,62 +703,6 @@
           <a:bodyPr/>
           <a:lstStyle/>
           <a:p>
-            <a:r>
-              <a:rPr lang="en-AU" dirty="0"/>
-              <a:t>Based on your reading of Birhane (2021), address the following questions:</a:t>
-            </a:r>
-          </a:p>
-          <a:p>
-            <a:pPr marL="342900" lvl="0" indent="-342900">
-              <a:buFont typeface="Arial" panose="020B0604020202020204" pitchFamily="34" charset="0"/>
-              <a:buChar char="•"/>
-              <a:tabLst>
-                <a:tab pos="457200" algn="l"/>
-              </a:tabLst>
-            </a:pPr>
-            <a:r>
-              <a:rPr lang="en-AU" dirty="0">
-                <a:latin typeface="Arial" panose="020B0604020202020204" pitchFamily="34" charset="0"/>
-                <a:ea typeface="Times New Roman" panose="02020603050405020304" pitchFamily="18" charset="0"/>
-                <a:cs typeface="Arial" panose="020B0604020202020204" pitchFamily="34" charset="0"/>
-              </a:rPr>
-              <a:t>How can the rational-individualistic view be defined?</a:t>
-            </a:r>
-            <a:r>
-              <a:rPr lang="en-AU" sz="1200" dirty="0">
-                <a:effectLst/>
-                <a:latin typeface="Arial" panose="020B0604020202020204" pitchFamily="34" charset="0"/>
-                <a:ea typeface="Times New Roman" panose="02020603050405020304" pitchFamily="18" charset="0"/>
-                <a:cs typeface="Arial" panose="020B0604020202020204" pitchFamily="34" charset="0"/>
-              </a:rPr>
-              <a:t> </a:t>
-            </a:r>
-            <a:endParaRPr lang="en-AU" sz="1200" dirty="0">
-              <a:effectLst/>
-              <a:latin typeface="Arial" panose="020B0604020202020204" pitchFamily="34" charset="0"/>
-              <a:ea typeface="Aptos" panose="020B0004020202020204" pitchFamily="34" charset="0"/>
-              <a:cs typeface="Arial" panose="020B0604020202020204" pitchFamily="34" charset="0"/>
-            </a:endParaRPr>
-          </a:p>
-          <a:p>
-            <a:pPr marL="342900" lvl="0" indent="-342900">
-              <a:buFont typeface="Arial" panose="020B0604020202020204" pitchFamily="34" charset="0"/>
-              <a:buChar char="•"/>
-              <a:tabLst>
-                <a:tab pos="457200" algn="l"/>
-              </a:tabLst>
-            </a:pPr>
-            <a:r>
-              <a:rPr lang="en-AU" dirty="0">
-                <a:latin typeface="Arial" panose="020B0604020202020204" pitchFamily="34" charset="0"/>
-                <a:ea typeface="Aptos" panose="020B0004020202020204" pitchFamily="34" charset="0"/>
-                <a:cs typeface="Arial" panose="020B0604020202020204" pitchFamily="34" charset="0"/>
-              </a:rPr>
-              <a:t>What are the implications of the rational-individualistic view for AI researchers, data scientists, and data developers? </a:t>
-            </a:r>
-            <a:endParaRPr lang="en-AU" dirty="0"/>
-          </a:p>
-          <a:p>
             <a:endParaRPr lang="en-AU" dirty="0"/>
           </a:p>
         </p:txBody>
@@ -780,7 +724,7 @@
           <a:p>
             <a:fld id="{5780AC98-8E30-490D-A639-38DF0F70C274}" type="slidenum">
               <a:rPr lang="en-AU" smtClean="0"/>
-              <a:t>2</a:t>
+              <a:t>1</a:t>
             </a:fld>
             <a:endParaRPr lang="en-AU"/>
           </a:p>
@@ -789,7 +733,7 @@
     </p:spTree>
     <p:extLst>
       <p:ext uri="{BB962C8B-B14F-4D97-AF65-F5344CB8AC3E}">
-        <p14:creationId xmlns:p14="http://schemas.microsoft.com/office/powerpoint/2010/main" val="3351706241"/>
+        <p14:creationId xmlns:p14="http://schemas.microsoft.com/office/powerpoint/2010/main" val="3044328176"/>
       </p:ext>
     </p:extLst>
   </p:cSld>
@@ -862,7 +806,7 @@
                 <a:ea typeface="Times New Roman" panose="02020603050405020304" pitchFamily="18" charset="0"/>
                 <a:cs typeface="Arial" panose="020B0604020202020204" pitchFamily="34" charset="0"/>
               </a:rPr>
-              <a:t>How can the relational view be characterised?</a:t>
+              <a:t>How can the rational-individualistic view be defined?</a:t>
             </a:r>
             <a:r>
               <a:rPr lang="en-AU" sz="1200" dirty="0">
@@ -894,23 +838,7 @@
                 <a:ea typeface="Aptos" panose="020B0004020202020204" pitchFamily="34" charset="0"/>
                 <a:cs typeface="Arial" panose="020B0604020202020204" pitchFamily="34" charset="0"/>
               </a:rPr>
-              <a:t>What is the key assumption of Afro-feminist epistemology?</a:t>
-            </a:r>
-          </a:p>
-          <a:p>
-            <a:pPr marL="342900" lvl="0" indent="-342900">
-              <a:buFont typeface="Arial" panose="020B0604020202020204" pitchFamily="34" charset="0"/>
-              <a:buChar char="•"/>
-              <a:tabLst>
-                <a:tab pos="457200" algn="l"/>
-              </a:tabLst>
-            </a:pPr>
-            <a:r>
-              <a:rPr lang="en-AU" dirty="0">
-                <a:latin typeface="Arial" panose="020B0604020202020204" pitchFamily="34" charset="0"/>
-                <a:cs typeface="Arial" panose="020B0604020202020204" pitchFamily="34" charset="0"/>
-              </a:rPr>
-              <a:t>What is the key assumption of enactive cognitive science?</a:t>
+              <a:t>What are the implications of the rational-individualistic view for AI researchers, data scientists, and data developers? </a:t>
             </a:r>
             <a:endParaRPr lang="en-AU" dirty="0"/>
           </a:p>
@@ -936,7 +864,7 @@
           <a:p>
             <a:fld id="{5780AC98-8E30-490D-A639-38DF0F70C274}" type="slidenum">
               <a:rPr lang="en-AU" smtClean="0"/>
-              <a:t>3</a:t>
+              <a:t>2</a:t>
             </a:fld>
             <a:endParaRPr lang="en-AU"/>
           </a:p>
@@ -945,7 +873,7 @@
     </p:spTree>
     <p:extLst>
       <p:ext uri="{BB962C8B-B14F-4D97-AF65-F5344CB8AC3E}">
-        <p14:creationId xmlns:p14="http://schemas.microsoft.com/office/powerpoint/2010/main" val="3542060817"/>
+        <p14:creationId xmlns:p14="http://schemas.microsoft.com/office/powerpoint/2010/main" val="3351706241"/>
       </p:ext>
     </p:extLst>
   </p:cSld>
@@ -1001,7 +929,7 @@
           <a:p>
             <a:r>
               <a:rPr lang="en-AU" dirty="0"/>
-              <a:t>Select one out of four tenets of Birhane’s (2021) relational ethics framework and address the following questions:</a:t>
+              <a:t>Based on your reading of Birhane (2021), address the following questions:</a:t>
             </a:r>
           </a:p>
           <a:p>
@@ -1013,26 +941,26 @@
               </a:tabLst>
             </a:pPr>
             <a:r>
+              <a:rPr lang="en-AU" dirty="0">
+                <a:latin typeface="Arial" panose="020B0604020202020204" pitchFamily="34" charset="0"/>
+                <a:ea typeface="Times New Roman" panose="02020603050405020304" pitchFamily="18" charset="0"/>
+                <a:cs typeface="Arial" panose="020B0604020202020204" pitchFamily="34" charset="0"/>
+              </a:rPr>
+              <a:t>How can the relational view be characterised?</a:t>
+            </a:r>
+            <a:r>
               <a:rPr lang="en-AU" sz="1200" dirty="0">
                 <a:effectLst/>
                 <a:latin typeface="Arial" panose="020B0604020202020204" pitchFamily="34" charset="0"/>
                 <a:ea typeface="Times New Roman" panose="02020603050405020304" pitchFamily="18" charset="0"/>
                 <a:cs typeface="Arial" panose="020B0604020202020204" pitchFamily="34" charset="0"/>
               </a:rPr>
-              <a:t>What is </a:t>
-            </a:r>
-            <a:r>
-              <a:rPr lang="en-AU" dirty="0">
-                <a:latin typeface="Arial" panose="020B0604020202020204" pitchFamily="34" charset="0"/>
-                <a:ea typeface="Times New Roman" panose="02020603050405020304" pitchFamily="18" charset="0"/>
-                <a:cs typeface="Arial" panose="020B0604020202020204" pitchFamily="34" charset="0"/>
-              </a:rPr>
-              <a:t>the core assumption motivating this tenet?</a:t>
+              <a:t> </a:t>
             </a:r>
             <a:endParaRPr lang="en-AU" sz="1200" dirty="0">
               <a:effectLst/>
               <a:latin typeface="Arial" panose="020B0604020202020204" pitchFamily="34" charset="0"/>
-              <a:ea typeface="Times New Roman" panose="02020603050405020304" pitchFamily="18" charset="0"/>
+              <a:ea typeface="Aptos" panose="020B0004020202020204" pitchFamily="34" charset="0"/>
               <a:cs typeface="Arial" panose="020B0604020202020204" pitchFamily="34" charset="0"/>
             </a:endParaRPr>
           </a:p>
@@ -1047,20 +975,14 @@
             <a:r>
               <a:rPr lang="en-AU" dirty="0">
                 <a:latin typeface="Arial" panose="020B0604020202020204" pitchFamily="34" charset="0"/>
-                <a:ea typeface="Times New Roman" panose="02020603050405020304" pitchFamily="18" charset="0"/>
+                <a:ea typeface="Aptos" panose="020B0004020202020204" pitchFamily="34" charset="0"/>
                 <a:cs typeface="Arial" panose="020B0604020202020204" pitchFamily="34" charset="0"/>
               </a:rPr>
-              <a:t>How can this aspect of the relational ethics framework inform the development and employment of machine learning algorithms?</a:t>
-            </a:r>
-            <a:endParaRPr lang="en-AU" sz="1200" dirty="0">
-              <a:effectLst/>
-              <a:latin typeface="Arial" panose="020B0604020202020204" pitchFamily="34" charset="0"/>
-              <a:ea typeface="Times New Roman" panose="02020603050405020304" pitchFamily="18" charset="0"/>
-              <a:cs typeface="Arial" panose="020B0604020202020204" pitchFamily="34" charset="0"/>
-            </a:endParaRPr>
-          </a:p>
-          <a:p>
-            <a:pPr marL="342900" indent="-342900">
+              <a:t>What is the key assumption of Afro-feminist epistemology?</a:t>
+            </a:r>
+          </a:p>
+          <a:p>
+            <a:pPr marL="342900" lvl="0" indent="-342900">
               <a:buFont typeface="Arial" panose="020B0604020202020204" pitchFamily="34" charset="0"/>
               <a:buChar char="•"/>
               <a:tabLst>
@@ -1070,17 +992,11 @@
             <a:r>
               <a:rPr lang="en-AU" dirty="0">
                 <a:latin typeface="Arial" panose="020B0604020202020204" pitchFamily="34" charset="0"/>
-                <a:ea typeface="Aptos" panose="020B0004020202020204" pitchFamily="34" charset="0"/>
                 <a:cs typeface="Arial" panose="020B0604020202020204" pitchFamily="34" charset="0"/>
               </a:rPr>
-              <a:t>Do you agree or disagree with Birhane’s (2021) considerations on this tenet? Provide reasons for your agreement or disagreement.</a:t>
-            </a:r>
-            <a:endParaRPr lang="en-AU" sz="1200" dirty="0">
-              <a:effectLst/>
-              <a:latin typeface="Arial" panose="020B0604020202020204" pitchFamily="34" charset="0"/>
-              <a:ea typeface="Aptos" panose="020B0004020202020204" pitchFamily="34" charset="0"/>
-              <a:cs typeface="Arial" panose="020B0604020202020204" pitchFamily="34" charset="0"/>
-            </a:endParaRPr>
+              <a:t>What is the key assumption of enactive cognitive science?</a:t>
+            </a:r>
+            <a:endParaRPr lang="en-AU" dirty="0"/>
           </a:p>
           <a:p>
             <a:endParaRPr lang="en-AU" dirty="0"/>
@@ -1104,7 +1020,7 @@
           <a:p>
             <a:fld id="{5780AC98-8E30-490D-A639-38DF0F70C274}" type="slidenum">
               <a:rPr lang="en-AU" smtClean="0"/>
-              <a:t>4</a:t>
+              <a:t>3</a:t>
             </a:fld>
             <a:endParaRPr lang="en-AU"/>
           </a:p>
@@ -1113,7 +1029,7 @@
     </p:spTree>
     <p:extLst>
       <p:ext uri="{BB962C8B-B14F-4D97-AF65-F5344CB8AC3E}">
-        <p14:creationId xmlns:p14="http://schemas.microsoft.com/office/powerpoint/2010/main" val="3604968869"/>
+        <p14:creationId xmlns:p14="http://schemas.microsoft.com/office/powerpoint/2010/main" val="3542060817"/>
       </p:ext>
     </p:extLst>
   </p:cSld>
@@ -1169,6 +1085,174 @@
           <a:p>
             <a:r>
               <a:rPr lang="en-AU" dirty="0"/>
+              <a:t>Select one out of four tenets of Birhane’s (2021) relational ethics framework and address the following questions:</a:t>
+            </a:r>
+          </a:p>
+          <a:p>
+            <a:pPr marL="342900" lvl="0" indent="-342900">
+              <a:buFont typeface="Arial" panose="020B0604020202020204" pitchFamily="34" charset="0"/>
+              <a:buChar char="•"/>
+              <a:tabLst>
+                <a:tab pos="457200" algn="l"/>
+              </a:tabLst>
+            </a:pPr>
+            <a:r>
+              <a:rPr lang="en-AU" sz="1200" dirty="0">
+                <a:effectLst/>
+                <a:latin typeface="Arial" panose="020B0604020202020204" pitchFamily="34" charset="0"/>
+                <a:ea typeface="Times New Roman" panose="02020603050405020304" pitchFamily="18" charset="0"/>
+                <a:cs typeface="Arial" panose="020B0604020202020204" pitchFamily="34" charset="0"/>
+              </a:rPr>
+              <a:t>What is </a:t>
+            </a:r>
+            <a:r>
+              <a:rPr lang="en-AU" dirty="0">
+                <a:latin typeface="Arial" panose="020B0604020202020204" pitchFamily="34" charset="0"/>
+                <a:ea typeface="Times New Roman" panose="02020603050405020304" pitchFamily="18" charset="0"/>
+                <a:cs typeface="Arial" panose="020B0604020202020204" pitchFamily="34" charset="0"/>
+              </a:rPr>
+              <a:t>the core assumption motivating this tenet?</a:t>
+            </a:r>
+            <a:endParaRPr lang="en-AU" sz="1200" dirty="0">
+              <a:effectLst/>
+              <a:latin typeface="Arial" panose="020B0604020202020204" pitchFamily="34" charset="0"/>
+              <a:ea typeface="Times New Roman" panose="02020603050405020304" pitchFamily="18" charset="0"/>
+              <a:cs typeface="Arial" panose="020B0604020202020204" pitchFamily="34" charset="0"/>
+            </a:endParaRPr>
+          </a:p>
+          <a:p>
+            <a:pPr marL="342900" lvl="0" indent="-342900">
+              <a:buFont typeface="Arial" panose="020B0604020202020204" pitchFamily="34" charset="0"/>
+              <a:buChar char="•"/>
+              <a:tabLst>
+                <a:tab pos="457200" algn="l"/>
+              </a:tabLst>
+            </a:pPr>
+            <a:r>
+              <a:rPr lang="en-AU" dirty="0">
+                <a:latin typeface="Arial" panose="020B0604020202020204" pitchFamily="34" charset="0"/>
+                <a:ea typeface="Times New Roman" panose="02020603050405020304" pitchFamily="18" charset="0"/>
+                <a:cs typeface="Arial" panose="020B0604020202020204" pitchFamily="34" charset="0"/>
+              </a:rPr>
+              <a:t>How can this aspect of the relational ethics framework inform the development and employment of machine learning algorithms?</a:t>
+            </a:r>
+            <a:endParaRPr lang="en-AU" sz="1200" dirty="0">
+              <a:effectLst/>
+              <a:latin typeface="Arial" panose="020B0604020202020204" pitchFamily="34" charset="0"/>
+              <a:ea typeface="Times New Roman" panose="02020603050405020304" pitchFamily="18" charset="0"/>
+              <a:cs typeface="Arial" panose="020B0604020202020204" pitchFamily="34" charset="0"/>
+            </a:endParaRPr>
+          </a:p>
+          <a:p>
+            <a:pPr marL="342900" indent="-342900">
+              <a:buFont typeface="Arial" panose="020B0604020202020204" pitchFamily="34" charset="0"/>
+              <a:buChar char="•"/>
+              <a:tabLst>
+                <a:tab pos="457200" algn="l"/>
+              </a:tabLst>
+            </a:pPr>
+            <a:r>
+              <a:rPr lang="en-AU" dirty="0">
+                <a:latin typeface="Arial" panose="020B0604020202020204" pitchFamily="34" charset="0"/>
+                <a:ea typeface="Aptos" panose="020B0004020202020204" pitchFamily="34" charset="0"/>
+                <a:cs typeface="Arial" panose="020B0604020202020204" pitchFamily="34" charset="0"/>
+              </a:rPr>
+              <a:t>Do you agree or disagree with Birhane’s (2021) considerations on this tenet? Provide reasons for your agreement or disagreement.</a:t>
+            </a:r>
+            <a:endParaRPr lang="en-AU" sz="1200" dirty="0">
+              <a:effectLst/>
+              <a:latin typeface="Arial" panose="020B0604020202020204" pitchFamily="34" charset="0"/>
+              <a:ea typeface="Aptos" panose="020B0004020202020204" pitchFamily="34" charset="0"/>
+              <a:cs typeface="Arial" panose="020B0604020202020204" pitchFamily="34" charset="0"/>
+            </a:endParaRPr>
+          </a:p>
+          <a:p>
+            <a:endParaRPr lang="en-AU" dirty="0"/>
+          </a:p>
+        </p:txBody>
+      </p:sp>
+      <p:sp>
+        <p:nvSpPr>
+          <p:cNvPr id="4" name="Slide Number Placeholder 3"/>
+          <p:cNvSpPr>
+            <a:spLocks noGrp="1"/>
+          </p:cNvSpPr>
+          <p:nvPr>
+            <p:ph type="sldNum" sz="quarter" idx="5"/>
+          </p:nvPr>
+        </p:nvSpPr>
+        <p:spPr/>
+        <p:txBody>
+          <a:bodyPr/>
+          <a:lstStyle/>
+          <a:p>
+            <a:fld id="{5780AC98-8E30-490D-A639-38DF0F70C274}" type="slidenum">
+              <a:rPr lang="en-AU" smtClean="0"/>
+              <a:t>4</a:t>
+            </a:fld>
+            <a:endParaRPr lang="en-AU"/>
+          </a:p>
+        </p:txBody>
+      </p:sp>
+    </p:spTree>
+    <p:extLst>
+      <p:ext uri="{BB962C8B-B14F-4D97-AF65-F5344CB8AC3E}">
+        <p14:creationId xmlns:p14="http://schemas.microsoft.com/office/powerpoint/2010/main" val="3604968869"/>
+      </p:ext>
+    </p:extLst>
+  </p:cSld>
+  <p:clrMapOvr>
+    <a:masterClrMapping/>
+  </p:clrMapOvr>
+</p:notes>
+</file>
+
+<file path=ppt/notesSlides/notesSlide5.xml><?xml version="1.0" encoding="utf-8"?>
+<p:notes xmlns:a="http://schemas.openxmlformats.org/drawingml/2006/main" xmlns:r="http://schemas.openxmlformats.org/officeDocument/2006/relationships" xmlns:p="http://schemas.openxmlformats.org/presentationml/2006/main">
+  <p:cSld>
+    <p:spTree>
+      <p:nvGrpSpPr>
+        <p:cNvPr id="1" name=""/>
+        <p:cNvGrpSpPr/>
+        <p:nvPr/>
+      </p:nvGrpSpPr>
+      <p:grpSpPr>
+        <a:xfrm>
+          <a:off x="0" y="0"/>
+          <a:ext cx="0" cy="0"/>
+          <a:chOff x="0" y="0"/>
+          <a:chExt cx="0" cy="0"/>
+        </a:xfrm>
+      </p:grpSpPr>
+      <p:sp>
+        <p:nvSpPr>
+          <p:cNvPr id="2" name="Slide Image Placeholder 1"/>
+          <p:cNvSpPr>
+            <a:spLocks noGrp="1" noRot="1" noChangeAspect="1"/>
+          </p:cNvSpPr>
+          <p:nvPr>
+            <p:ph type="sldImg"/>
+          </p:nvPr>
+        </p:nvSpPr>
+        <p:spPr/>
+      </p:sp>
+      <p:sp>
+        <p:nvSpPr>
+          <p:cNvPr id="3" name="Notes Placeholder 2"/>
+          <p:cNvSpPr>
+            <a:spLocks noGrp="1"/>
+          </p:cNvSpPr>
+          <p:nvPr>
+            <p:ph type="body" idx="1"/>
+          </p:nvPr>
+        </p:nvSpPr>
+        <p:spPr/>
+        <p:txBody>
+          <a:bodyPr/>
+          <a:lstStyle/>
+          <a:p>
+            <a:r>
+              <a:rPr lang="en-AU" dirty="0"/>
               <a:t>Select an additional tenet of Birhane’s (2021) relational ethics framework and address the following questions:</a:t>
             </a:r>
           </a:p>
@@ -1291,7 +1375,7 @@
 </p:notes>
 </file>
 
-<file path=ppt/notesSlides/notesSlide5.xml><?xml version="1.0" encoding="utf-8"?>
+<file path=ppt/notesSlides/notesSlide6.xml><?xml version="1.0" encoding="utf-8"?>
 <p:notes xmlns:a="http://schemas.openxmlformats.org/drawingml/2006/main" xmlns:r="http://schemas.openxmlformats.org/officeDocument/2006/relationships" xmlns:p="http://schemas.openxmlformats.org/presentationml/2006/main">
   <p:cSld>
     <p:spTree>
@@ -6293,7 +6377,7 @@
                   <a:schemeClr val="tx1"/>
                 </a:solidFill>
               </a:rPr>
-              <a:t>[Add the Date of your Recording]</a:t>
+              <a:t>24/3/2025</a:t>
             </a:r>
           </a:p>
           <a:p>
@@ -7380,15 +7464,7 @@
                 <a:ea typeface="Aptos" panose="020B0004020202020204" pitchFamily="34" charset="0"/>
                 <a:cs typeface="Arial" panose="020B0604020202020204" pitchFamily="34" charset="0"/>
               </a:rPr>
-              <a:t>Regularly incorporate feedback from marginalised groups on data collection and </a:t>
-            </a:r>
-            <a:r>
-              <a:rPr lang="en-AU">
-                <a:latin typeface="Arial" panose="020B0604020202020204" pitchFamily="34" charset="0"/>
-                <a:ea typeface="Aptos" panose="020B0004020202020204" pitchFamily="34" charset="0"/>
-                <a:cs typeface="Arial" panose="020B0604020202020204" pitchFamily="34" charset="0"/>
-              </a:rPr>
-              <a:t>AI implementation</a:t>
+              <a:t>Regularly incorporate feedback from marginalised groups on data collection and AI implementation</a:t>
             </a:r>
           </a:p>
           <a:p>
@@ -7477,79 +7553,6 @@
       </p:sp>
       <p:sp>
         <p:nvSpPr>
-          <p:cNvPr id="3" name="Content Placeholder 2"/>
-          <p:cNvSpPr>
-            <a:spLocks noGrp="1"/>
-          </p:cNvSpPr>
-          <p:nvPr>
-            <p:ph idx="1"/>
-          </p:nvPr>
-        </p:nvSpPr>
-        <p:spPr/>
-        <p:txBody>
-          <a:bodyPr>
-            <a:normAutofit/>
-          </a:bodyPr>
-          <a:lstStyle/>
-          <a:p>
-            <a:r>
-              <a:rPr lang="en-AU" sz="1800" dirty="0">
-                <a:effectLst/>
-                <a:latin typeface="Arial" panose="020B0604020202020204" pitchFamily="34" charset="0"/>
-                <a:ea typeface="Aptos" panose="020B0004020202020204" pitchFamily="34" charset="0"/>
-                <a:cs typeface="Arial" panose="020B0604020202020204" pitchFamily="34" charset="0"/>
-              </a:rPr>
-              <a:t>Birhane</a:t>
-            </a:r>
-          </a:p>
-          <a:p>
-            <a:endParaRPr lang="en-AU" dirty="0">
-              <a:latin typeface="Arial" panose="020B0604020202020204" pitchFamily="34" charset="0"/>
-              <a:ea typeface="Aptos" panose="020B0004020202020204" pitchFamily="34" charset="0"/>
-              <a:cs typeface="Arial" panose="020B0604020202020204" pitchFamily="34" charset="0"/>
-            </a:endParaRPr>
-          </a:p>
-          <a:p>
-            <a:r>
-              <a:rPr lang="en-AU" sz="1800" dirty="0">
-                <a:effectLst/>
-                <a:latin typeface="Arial" panose="020B0604020202020204" pitchFamily="34" charset="0"/>
-                <a:ea typeface="Aptos" panose="020B0004020202020204" pitchFamily="34" charset="0"/>
-                <a:cs typeface="Arial" panose="020B0604020202020204" pitchFamily="34" charset="0"/>
-              </a:rPr>
-              <a:t>Ref 44 Wilson</a:t>
-            </a:r>
-          </a:p>
-          <a:p>
-            <a:endParaRPr lang="en-AU" dirty="0">
-              <a:latin typeface="Arial" panose="020B0604020202020204" pitchFamily="34" charset="0"/>
-              <a:ea typeface="Aptos" panose="020B0004020202020204" pitchFamily="34" charset="0"/>
-              <a:cs typeface="Arial" panose="020B0604020202020204" pitchFamily="34" charset="0"/>
-            </a:endParaRPr>
-          </a:p>
-          <a:p>
-            <a:endParaRPr lang="en-AU" sz="1800" dirty="0">
-              <a:effectLst/>
-              <a:latin typeface="Arial" panose="020B0604020202020204" pitchFamily="34" charset="0"/>
-              <a:ea typeface="Aptos" panose="020B0004020202020204" pitchFamily="34" charset="0"/>
-              <a:cs typeface="Arial" panose="020B0604020202020204" pitchFamily="34" charset="0"/>
-            </a:endParaRPr>
-          </a:p>
-          <a:p>
-            <a:endParaRPr lang="en-AU" sz="1800" dirty="0">
-              <a:effectLst/>
-              <a:latin typeface="Arial" panose="020B0604020202020204" pitchFamily="34" charset="0"/>
-              <a:ea typeface="Aptos" panose="020B0004020202020204" pitchFamily="34" charset="0"/>
-              <a:cs typeface="Arial" panose="020B0604020202020204" pitchFamily="34" charset="0"/>
-            </a:endParaRPr>
-          </a:p>
-          <a:p>
-            <a:endParaRPr lang="en-AU" dirty="0"/>
-          </a:p>
-        </p:txBody>
-      </p:sp>
-      <p:sp>
-        <p:nvSpPr>
           <p:cNvPr id="4" name="Footer Placeholder 3"/>
           <p:cNvSpPr>
             <a:spLocks noGrp="1"/>
@@ -7568,6 +7571,378 @@
               <a:t>COMP2400/6400, S1, 2025: Media Presentation</a:t>
             </a:r>
             <a:endParaRPr lang="en-AU" dirty="0"/>
+          </a:p>
+        </p:txBody>
+      </p:sp>
+      <p:sp>
+        <p:nvSpPr>
+          <p:cNvPr id="12" name="Rectangle 5">
+            <a:extLst>
+              <a:ext uri="{FF2B5EF4-FFF2-40B4-BE49-F238E27FC236}">
+                <a16:creationId xmlns:a16="http://schemas.microsoft.com/office/drawing/2014/main" id="{95A55E41-3FFE-2714-73CA-63C75A30CB16}"/>
+              </a:ext>
+            </a:extLst>
+          </p:cNvPr>
+          <p:cNvSpPr>
+            <a:spLocks noGrp="1" noChangeArrowheads="1"/>
+          </p:cNvSpPr>
+          <p:nvPr>
+            <p:ph idx="1"/>
+          </p:nvPr>
+        </p:nvSpPr>
+        <p:spPr bwMode="auto">
+          <a:xfrm>
+            <a:off x="480903" y="1637844"/>
+            <a:ext cx="11087521" cy="1384995"/>
+          </a:xfrm>
+          <a:prstGeom prst="rect">
+            <a:avLst/>
+          </a:prstGeom>
+          <a:noFill/>
+          <a:ln>
+            <a:noFill/>
+          </a:ln>
+          <a:effectLst/>
+          <a:extLst>
+            <a:ext uri="{909E8E84-426E-40DD-AFC4-6F175D3DCCD1}">
+              <a14:hiddenFill xmlns:a14="http://schemas.microsoft.com/office/drawing/2010/main">
+                <a:solidFill>
+                  <a:schemeClr val="accent1"/>
+                </a:solidFill>
+              </a14:hiddenFill>
+            </a:ext>
+            <a:ext uri="{91240B29-F687-4F45-9708-019B960494DF}">
+              <a14:hiddenLine xmlns:a14="http://schemas.microsoft.com/office/drawing/2010/main" w="9525">
+                <a:solidFill>
+                  <a:schemeClr val="tx1"/>
+                </a:solidFill>
+                <a:miter lim="800000"/>
+                <a:headEnd/>
+                <a:tailEnd/>
+              </a14:hiddenLine>
+            </a:ext>
+            <a:ext uri="{AF507438-7753-43E0-B8FC-AC1667EBCBE1}">
+              <a14:hiddenEffects xmlns:a14="http://schemas.microsoft.com/office/drawing/2010/main">
+                <a:effectLst>
+                  <a:outerShdw dist="35921" dir="2700000" algn="ctr" rotWithShape="0">
+                    <a:schemeClr val="bg2"/>
+                  </a:outerShdw>
+                </a:effectLst>
+              </a14:hiddenEffects>
+            </a:ext>
+          </a:extLst>
+        </p:spPr>
+        <p:txBody>
+          <a:bodyPr vert="horz" wrap="square" lIns="91440" tIns="0" rIns="91440" bIns="0" numCol="1" anchor="ctr" anchorCtr="0" compatLnSpc="1">
+            <a:prstTxWarp prst="textNoShape">
+              <a:avLst/>
+            </a:prstTxWarp>
+            <a:spAutoFit/>
+          </a:bodyPr>
+          <a:lstStyle>
+            <a:lvl1pPr eaLnBrk="0" fontAlgn="base" hangingPunct="0">
+              <a:spcBef>
+                <a:spcPct val="0"/>
+              </a:spcBef>
+              <a:spcAft>
+                <a:spcPct val="0"/>
+              </a:spcAft>
+              <a:defRPr>
+                <a:solidFill>
+                  <a:schemeClr val="tx1"/>
+                </a:solidFill>
+                <a:latin typeface="Arial" panose="020B0604020202020204" pitchFamily="34" charset="0"/>
+              </a:defRPr>
+            </a:lvl1pPr>
+            <a:lvl2pPr eaLnBrk="0" fontAlgn="base" hangingPunct="0">
+              <a:spcBef>
+                <a:spcPct val="0"/>
+              </a:spcBef>
+              <a:spcAft>
+                <a:spcPct val="0"/>
+              </a:spcAft>
+              <a:defRPr>
+                <a:solidFill>
+                  <a:schemeClr val="tx1"/>
+                </a:solidFill>
+                <a:latin typeface="Arial" panose="020B0604020202020204" pitchFamily="34" charset="0"/>
+              </a:defRPr>
+            </a:lvl2pPr>
+            <a:lvl3pPr eaLnBrk="0" fontAlgn="base" hangingPunct="0">
+              <a:spcBef>
+                <a:spcPct val="0"/>
+              </a:spcBef>
+              <a:spcAft>
+                <a:spcPct val="0"/>
+              </a:spcAft>
+              <a:defRPr>
+                <a:solidFill>
+                  <a:schemeClr val="tx1"/>
+                </a:solidFill>
+                <a:latin typeface="Arial" panose="020B0604020202020204" pitchFamily="34" charset="0"/>
+              </a:defRPr>
+            </a:lvl3pPr>
+            <a:lvl4pPr eaLnBrk="0" fontAlgn="base" hangingPunct="0">
+              <a:spcBef>
+                <a:spcPct val="0"/>
+              </a:spcBef>
+              <a:spcAft>
+                <a:spcPct val="0"/>
+              </a:spcAft>
+              <a:defRPr>
+                <a:solidFill>
+                  <a:schemeClr val="tx1"/>
+                </a:solidFill>
+                <a:latin typeface="Arial" panose="020B0604020202020204" pitchFamily="34" charset="0"/>
+              </a:defRPr>
+            </a:lvl4pPr>
+            <a:lvl5pPr eaLnBrk="0" fontAlgn="base" hangingPunct="0">
+              <a:spcBef>
+                <a:spcPct val="0"/>
+              </a:spcBef>
+              <a:spcAft>
+                <a:spcPct val="0"/>
+              </a:spcAft>
+              <a:defRPr>
+                <a:solidFill>
+                  <a:schemeClr val="tx1"/>
+                </a:solidFill>
+                <a:latin typeface="Arial" panose="020B0604020202020204" pitchFamily="34" charset="0"/>
+              </a:defRPr>
+            </a:lvl5pPr>
+            <a:lvl6pPr eaLnBrk="0" fontAlgn="base" hangingPunct="0">
+              <a:spcBef>
+                <a:spcPct val="0"/>
+              </a:spcBef>
+              <a:spcAft>
+                <a:spcPct val="0"/>
+              </a:spcAft>
+              <a:defRPr>
+                <a:solidFill>
+                  <a:schemeClr val="tx1"/>
+                </a:solidFill>
+                <a:latin typeface="Arial" panose="020B0604020202020204" pitchFamily="34" charset="0"/>
+              </a:defRPr>
+            </a:lvl6pPr>
+            <a:lvl7pPr eaLnBrk="0" fontAlgn="base" hangingPunct="0">
+              <a:spcBef>
+                <a:spcPct val="0"/>
+              </a:spcBef>
+              <a:spcAft>
+                <a:spcPct val="0"/>
+              </a:spcAft>
+              <a:defRPr>
+                <a:solidFill>
+                  <a:schemeClr val="tx1"/>
+                </a:solidFill>
+                <a:latin typeface="Arial" panose="020B0604020202020204" pitchFamily="34" charset="0"/>
+              </a:defRPr>
+            </a:lvl7pPr>
+            <a:lvl8pPr eaLnBrk="0" fontAlgn="base" hangingPunct="0">
+              <a:spcBef>
+                <a:spcPct val="0"/>
+              </a:spcBef>
+              <a:spcAft>
+                <a:spcPct val="0"/>
+              </a:spcAft>
+              <a:defRPr>
+                <a:solidFill>
+                  <a:schemeClr val="tx1"/>
+                </a:solidFill>
+                <a:latin typeface="Arial" panose="020B0604020202020204" pitchFamily="34" charset="0"/>
+              </a:defRPr>
+            </a:lvl8pPr>
+            <a:lvl9pPr eaLnBrk="0" fontAlgn="base" hangingPunct="0">
+              <a:spcBef>
+                <a:spcPct val="0"/>
+              </a:spcBef>
+              <a:spcAft>
+                <a:spcPct val="0"/>
+              </a:spcAft>
+              <a:defRPr>
+                <a:solidFill>
+                  <a:schemeClr val="tx1"/>
+                </a:solidFill>
+                <a:latin typeface="Arial" panose="020B0604020202020204" pitchFamily="34" charset="0"/>
+              </a:defRPr>
+            </a:lvl9pPr>
+          </a:lstStyle>
+          <a:p>
+            <a:pPr marL="0" marR="0" lvl="0" indent="0" algn="l" defTabSz="914400" rtl="0" eaLnBrk="0" fontAlgn="base" latinLnBrk="0" hangingPunct="0">
+              <a:lnSpc>
+                <a:spcPct val="100000"/>
+              </a:lnSpc>
+              <a:spcBef>
+                <a:spcPct val="0"/>
+              </a:spcBef>
+              <a:spcAft>
+                <a:spcPct val="0"/>
+              </a:spcAft>
+              <a:buClrTx/>
+              <a:buSzTx/>
+              <a:buFontTx/>
+              <a:buNone/>
+              <a:tabLst/>
+            </a:pPr>
+            <a:r>
+              <a:rPr kumimoji="0" lang="en-US" altLang="en-US" b="0" i="0" u="none" strike="noStrike" cap="none" normalizeH="0" baseline="0" dirty="0">
+                <a:ln>
+                  <a:noFill/>
+                </a:ln>
+                <a:solidFill>
+                  <a:schemeClr val="tx1"/>
+                </a:solidFill>
+                <a:effectLst/>
+                <a:latin typeface="+mj-lt"/>
+                <a:cs typeface="Times New Roman" panose="02020603050405020304" pitchFamily="18" charset="0"/>
+              </a:rPr>
+              <a:t>Angwin, J., Larson, J., Mattu, S., &amp; Kirchner, L. (2016, May 23). </a:t>
+            </a:r>
+            <a:r>
+              <a:rPr kumimoji="0" lang="en-US" altLang="en-US" b="0" i="1" u="none" strike="noStrike" cap="none" normalizeH="0" baseline="0" dirty="0">
+                <a:ln>
+                  <a:noFill/>
+                </a:ln>
+                <a:solidFill>
+                  <a:schemeClr val="tx1"/>
+                </a:solidFill>
+                <a:effectLst/>
+                <a:latin typeface="+mj-lt"/>
+                <a:cs typeface="Times New Roman" panose="02020603050405020304" pitchFamily="18" charset="0"/>
+              </a:rPr>
+              <a:t>Machine Bias</a:t>
+            </a:r>
+            <a:r>
+              <a:rPr kumimoji="0" lang="en-US" altLang="en-US" b="0" i="0" u="none" strike="noStrike" cap="none" normalizeH="0" baseline="0" dirty="0">
+                <a:ln>
+                  <a:noFill/>
+                </a:ln>
+                <a:solidFill>
+                  <a:schemeClr val="tx1"/>
+                </a:solidFill>
+                <a:effectLst/>
+                <a:latin typeface="+mj-lt"/>
+                <a:cs typeface="Times New Roman" panose="02020603050405020304" pitchFamily="18" charset="0"/>
+              </a:rPr>
+              <a:t>. ProPublica. https://www.propublica.org/article/machine-bias-risk-assessments-in-criminal-sentencing</a:t>
+            </a:r>
+          </a:p>
+          <a:p>
+            <a:pPr marL="0" marR="0" lvl="0" indent="0" algn="l" defTabSz="914400" rtl="0" eaLnBrk="0" fontAlgn="base" latinLnBrk="0" hangingPunct="0">
+              <a:lnSpc>
+                <a:spcPct val="100000"/>
+              </a:lnSpc>
+              <a:spcBef>
+                <a:spcPct val="0"/>
+              </a:spcBef>
+              <a:spcAft>
+                <a:spcPct val="0"/>
+              </a:spcAft>
+              <a:buClrTx/>
+              <a:buSzTx/>
+              <a:buFontTx/>
+              <a:buNone/>
+              <a:tabLst/>
+            </a:pPr>
+            <a:endParaRPr kumimoji="0" lang="en-US" altLang="en-US" b="0" i="0" u="none" strike="noStrike" cap="none" normalizeH="0" baseline="0" dirty="0">
+              <a:ln>
+                <a:noFill/>
+              </a:ln>
+              <a:solidFill>
+                <a:schemeClr val="tx1"/>
+              </a:solidFill>
+              <a:effectLst/>
+              <a:latin typeface="+mj-lt"/>
+              <a:cs typeface="Times New Roman" panose="02020603050405020304" pitchFamily="18" charset="0"/>
+            </a:endParaRPr>
+          </a:p>
+          <a:p>
+            <a:pPr marL="0" marR="0" lvl="0" indent="0" algn="l" defTabSz="914400" rtl="0" eaLnBrk="0" fontAlgn="base" latinLnBrk="0" hangingPunct="0">
+              <a:lnSpc>
+                <a:spcPct val="100000"/>
+              </a:lnSpc>
+              <a:spcBef>
+                <a:spcPct val="0"/>
+              </a:spcBef>
+              <a:spcAft>
+                <a:spcPct val="0"/>
+              </a:spcAft>
+              <a:buClrTx/>
+              <a:buSzTx/>
+              <a:buFontTx/>
+              <a:buNone/>
+              <a:tabLst/>
+            </a:pPr>
+            <a:r>
+              <a:rPr kumimoji="0" lang="en-US" altLang="en-US" b="0" i="0" u="none" strike="noStrike" cap="none" normalizeH="0" baseline="0" dirty="0">
+                <a:ln>
+                  <a:noFill/>
+                </a:ln>
+                <a:solidFill>
+                  <a:schemeClr val="tx1"/>
+                </a:solidFill>
+                <a:effectLst/>
+                <a:latin typeface="+mj-lt"/>
+                <a:cs typeface="Times New Roman" panose="02020603050405020304" pitchFamily="18" charset="0"/>
+              </a:rPr>
+              <a:t>Birhane, A. (2021). Algorithmic injustice: a relational ethics approach. </a:t>
+            </a:r>
+            <a:r>
+              <a:rPr kumimoji="0" lang="en-US" altLang="en-US" b="0" i="1" u="none" strike="noStrike" cap="none" normalizeH="0" baseline="0" dirty="0">
+                <a:ln>
+                  <a:noFill/>
+                </a:ln>
+                <a:solidFill>
+                  <a:schemeClr val="tx1"/>
+                </a:solidFill>
+                <a:effectLst/>
+                <a:latin typeface="+mj-lt"/>
+                <a:cs typeface="Times New Roman" panose="02020603050405020304" pitchFamily="18" charset="0"/>
+              </a:rPr>
+              <a:t>Patterns</a:t>
+            </a:r>
+            <a:r>
+              <a:rPr kumimoji="0" lang="en-US" altLang="en-US" b="0" i="0" u="none" strike="noStrike" cap="none" normalizeH="0" baseline="0" dirty="0">
+                <a:ln>
+                  <a:noFill/>
+                </a:ln>
+                <a:solidFill>
+                  <a:schemeClr val="tx1"/>
+                </a:solidFill>
+                <a:effectLst/>
+                <a:latin typeface="+mj-lt"/>
+                <a:cs typeface="Times New Roman" panose="02020603050405020304" pitchFamily="18" charset="0"/>
+              </a:rPr>
+              <a:t>, </a:t>
+            </a:r>
+            <a:r>
+              <a:rPr kumimoji="0" lang="en-US" altLang="en-US" b="0" i="1" u="none" strike="noStrike" cap="none" normalizeH="0" baseline="0" dirty="0">
+                <a:ln>
+                  <a:noFill/>
+                </a:ln>
+                <a:solidFill>
+                  <a:schemeClr val="tx1"/>
+                </a:solidFill>
+                <a:effectLst/>
+                <a:latin typeface="+mj-lt"/>
+                <a:cs typeface="Times New Roman" panose="02020603050405020304" pitchFamily="18" charset="0"/>
+              </a:rPr>
+              <a:t>2</a:t>
+            </a:r>
+            <a:r>
+              <a:rPr kumimoji="0" lang="en-US" altLang="en-US" b="0" i="0" u="none" strike="noStrike" cap="none" normalizeH="0" baseline="0" dirty="0">
+                <a:ln>
+                  <a:noFill/>
+                </a:ln>
+                <a:solidFill>
+                  <a:schemeClr val="tx1"/>
+                </a:solidFill>
+                <a:effectLst/>
+                <a:latin typeface="+mj-lt"/>
+                <a:cs typeface="Times New Roman" panose="02020603050405020304" pitchFamily="18" charset="0"/>
+              </a:rPr>
+              <a:t>(2), 100205. https://doi.org/10.1016/j.patter.2021.100205</a:t>
+            </a:r>
           </a:p>
         </p:txBody>
       </p:sp>
